--- a/Uxtrata Web Application.pptx
+++ b/Uxtrata Web Application.pptx
@@ -109,6 +109,11 @@
       </a:defRPr>
     </a:lvl9pPr>
   </p:defaultTextStyle>
+  <p:extLst>
+    <p:ext uri="{EFAFB233-063F-42B5-8137-9DF3F51BA10A}">
+      <p15:sldGuideLst xmlns:p15="http://schemas.microsoft.com/office/powerpoint/2012/main"/>
+    </p:ext>
+  </p:extLst>
 </p:presentation>
 </file>
 
@@ -243,7 +248,7 @@
           <a:p>
             <a:fld id="{20FC1226-0D54-436C-87D4-3B7541FD472A}" type="datetimeFigureOut">
               <a:rPr lang="es-ES" smtClean="0"/>
-              <a:t>15/09/2017</a:t>
+              <a:t>19/09/2017</a:t>
             </a:fld>
             <a:endParaRPr lang="es-ES"/>
           </a:p>
@@ -413,7 +418,7 @@
           <a:p>
             <a:fld id="{20FC1226-0D54-436C-87D4-3B7541FD472A}" type="datetimeFigureOut">
               <a:rPr lang="es-ES" smtClean="0"/>
-              <a:t>15/09/2017</a:t>
+              <a:t>19/09/2017</a:t>
             </a:fld>
             <a:endParaRPr lang="es-ES"/>
           </a:p>
@@ -593,7 +598,7 @@
           <a:p>
             <a:fld id="{20FC1226-0D54-436C-87D4-3B7541FD472A}" type="datetimeFigureOut">
               <a:rPr lang="es-ES" smtClean="0"/>
-              <a:t>15/09/2017</a:t>
+              <a:t>19/09/2017</a:t>
             </a:fld>
             <a:endParaRPr lang="es-ES"/>
           </a:p>
@@ -763,7 +768,7 @@
           <a:p>
             <a:fld id="{20FC1226-0D54-436C-87D4-3B7541FD472A}" type="datetimeFigureOut">
               <a:rPr lang="es-ES" smtClean="0"/>
-              <a:t>15/09/2017</a:t>
+              <a:t>19/09/2017</a:t>
             </a:fld>
             <a:endParaRPr lang="es-ES"/>
           </a:p>
@@ -1009,7 +1014,7 @@
           <a:p>
             <a:fld id="{20FC1226-0D54-436C-87D4-3B7541FD472A}" type="datetimeFigureOut">
               <a:rPr lang="es-ES" smtClean="0"/>
-              <a:t>15/09/2017</a:t>
+              <a:t>19/09/2017</a:t>
             </a:fld>
             <a:endParaRPr lang="es-ES"/>
           </a:p>
@@ -1241,7 +1246,7 @@
           <a:p>
             <a:fld id="{20FC1226-0D54-436C-87D4-3B7541FD472A}" type="datetimeFigureOut">
               <a:rPr lang="es-ES" smtClean="0"/>
-              <a:t>15/09/2017</a:t>
+              <a:t>19/09/2017</a:t>
             </a:fld>
             <a:endParaRPr lang="es-ES"/>
           </a:p>
@@ -1608,7 +1613,7 @@
           <a:p>
             <a:fld id="{20FC1226-0D54-436C-87D4-3B7541FD472A}" type="datetimeFigureOut">
               <a:rPr lang="es-ES" smtClean="0"/>
-              <a:t>15/09/2017</a:t>
+              <a:t>19/09/2017</a:t>
             </a:fld>
             <a:endParaRPr lang="es-ES"/>
           </a:p>
@@ -1726,7 +1731,7 @@
           <a:p>
             <a:fld id="{20FC1226-0D54-436C-87D4-3B7541FD472A}" type="datetimeFigureOut">
               <a:rPr lang="es-ES" smtClean="0"/>
-              <a:t>15/09/2017</a:t>
+              <a:t>19/09/2017</a:t>
             </a:fld>
             <a:endParaRPr lang="es-ES"/>
           </a:p>
@@ -1821,7 +1826,7 @@
           <a:p>
             <a:fld id="{20FC1226-0D54-436C-87D4-3B7541FD472A}" type="datetimeFigureOut">
               <a:rPr lang="es-ES" smtClean="0"/>
-              <a:t>15/09/2017</a:t>
+              <a:t>19/09/2017</a:t>
             </a:fld>
             <a:endParaRPr lang="es-ES"/>
           </a:p>
@@ -2098,7 +2103,7 @@
           <a:p>
             <a:fld id="{20FC1226-0D54-436C-87D4-3B7541FD472A}" type="datetimeFigureOut">
               <a:rPr lang="es-ES" smtClean="0"/>
-              <a:t>15/09/2017</a:t>
+              <a:t>19/09/2017</a:t>
             </a:fld>
             <a:endParaRPr lang="es-ES"/>
           </a:p>
@@ -2351,7 +2356,7 @@
           <a:p>
             <a:fld id="{20FC1226-0D54-436C-87D4-3B7541FD472A}" type="datetimeFigureOut">
               <a:rPr lang="es-ES" smtClean="0"/>
-              <a:t>15/09/2017</a:t>
+              <a:t>19/09/2017</a:t>
             </a:fld>
             <a:endParaRPr lang="es-ES"/>
           </a:p>
@@ -2564,7 +2569,7 @@
           <a:p>
             <a:fld id="{20FC1226-0D54-436C-87D4-3B7541FD472A}" type="datetimeFigureOut">
               <a:rPr lang="es-ES" smtClean="0"/>
-              <a:t>15/09/2017</a:t>
+              <a:t>19/09/2017</a:t>
             </a:fld>
             <a:endParaRPr lang="es-ES"/>
           </a:p>
@@ -3103,7 +3108,9 @@
         </p:nvSpPr>
         <p:spPr/>
         <p:txBody>
-          <a:bodyPr/>
+          <a:bodyPr>
+            <a:normAutofit fontScale="92500" lnSpcReduction="10000"/>
+          </a:bodyPr>
           <a:lstStyle/>
           <a:p>
             <a:r>
@@ -3146,7 +3153,21 @@
             </a:r>
             <a:r>
               <a:rPr lang="en-US" dirty="0" smtClean="0"/>
-              <a:t>system.</a:t>
+              <a:t>system</a:t>
+            </a:r>
+            <a:r>
+              <a:rPr lang="en-US" dirty="0" smtClean="0"/>
+              <a:t>.</a:t>
+            </a:r>
+          </a:p>
+          <a:p>
+            <a:r>
+              <a:rPr lang="en-US" dirty="0"/>
+              <a:t>Build a report view page for a statement report of each student’s transaction history. The statement report should base on RDLC format.</a:t>
+            </a:r>
+            <a:r>
+              <a:rPr lang="en-US" dirty="0" smtClean="0"/>
+              <a:t/>
             </a:r>
             <a:br>
               <a:rPr lang="en-US" dirty="0" smtClean="0"/>
@@ -3480,6 +3501,23 @@
         <p:txBody>
           <a:bodyPr/>
           <a:lstStyle/>
+          <a:p>
+            <a:pPr marL="0" indent="0">
+              <a:buNone/>
+            </a:pPr>
+            <a:r>
+              <a:rPr lang="en-US" dirty="0" smtClean="0"/>
+              <a:t>Due to the small timeframe to implement the requirements, there are additional improvements to mak</a:t>
+            </a:r>
+            <a:r>
+              <a:rPr lang="en-US" dirty="0" smtClean="0"/>
+              <a:t>e:</a:t>
+            </a:r>
+            <a:endParaRPr lang="en-US" dirty="0" smtClean="0"/>
+          </a:p>
+          <a:p>
+            <a:endParaRPr lang="en-US" dirty="0" smtClean="0"/>
+          </a:p>
           <a:p>
             <a:r>
               <a:rPr lang="en-US" dirty="0" smtClean="0"/>
